--- a/SootAdvanture_ppt_IKT.pptx
+++ b/SootAdvanture_ppt_IKT.pptx
@@ -121,6 +121,35 @@
     </p:ext>
   </p:extLst>
 </p:presentation>
+</file>
+
+<file path=ppt/ink/ink1.xml><?xml version="1.0" encoding="utf-8"?>
+<inkml:ink xmlns:inkml="http://www.w3.org/2003/InkML">
+  <inkml:definitions>
+    <inkml:context xml:id="ctx0">
+      <inkml:inkSource xml:id="inkSrc0">
+        <inkml:traceFormat>
+          <inkml:channel name="X" type="integer" min="-2.14748E9" max="2.14748E9" units="cm"/>
+          <inkml:channel name="Y" type="integer" min="-2.14748E9" max="2.14748E9" units="cm"/>
+        </inkml:traceFormat>
+        <inkml:channelProperties>
+          <inkml:channelProperty channel="X" name="resolution" value="1000" units="1/cm"/>
+          <inkml:channelProperty channel="Y" name="resolution" value="1000" units="1/cm"/>
+        </inkml:channelProperties>
+      </inkml:inkSource>
+      <inkml:timestamp xml:id="ts0" timeString="2024-01-10T22:50:50.600"/>
+    </inkml:context>
+    <inkml:brush xml:id="br0">
+      <inkml:brushProperty name="width" value="0.3" units="cm"/>
+      <inkml:brushProperty name="height" value="0.6" units="cm"/>
+      <inkml:brushProperty name="color" value="#FFFC00"/>
+      <inkml:brushProperty name="tip" value="rectangle"/>
+      <inkml:brushProperty name="rasterOp" value="maskPen"/>
+      <inkml:brushProperty name="ignorePressure" value="1"/>
+    </inkml:brush>
+  </inkml:definitions>
+  <inkml:trace contextRef="#ctx0" brushRef="#br0">1 0,'0'0</inkml:trace>
+</inkml:ink>
 </file>
 
 <file path=ppt/slideLayouts/slideLayout1.xml><?xml version="1.0" encoding="utf-8"?>
@@ -7833,6 +7862,134 @@
           <a:bodyPr/>
           <a:lstStyle/>
           <a:p>
+            <a:pPr marL="457200" indent="-457200">
+              <a:buAutoNum type="arabicPeriod"/>
+            </a:pPr>
+            <a:r>
+              <a:rPr lang="en-GB" dirty="0"/>
+              <a:t>R</a:t>
+            </a:r>
+            <a:r>
+              <a:rPr lang="hu-HU" dirty="0"/>
+              <a:t>ész</a:t>
+            </a:r>
+          </a:p>
+          <a:p>
+            <a:pPr marL="0" indent="0">
+              <a:buNone/>
+            </a:pPr>
+            <a:r>
+              <a:rPr lang="hu-HU" dirty="0"/>
+              <a:t>	Le kell győzni a rablókat, amelyek megtámadták a falut.</a:t>
+            </a:r>
+          </a:p>
+          <a:p>
+            <a:pPr marL="0" indent="0">
+              <a:buNone/>
+            </a:pPr>
+            <a:r>
+              <a:rPr lang="hu-HU" dirty="0"/>
+              <a:t>2. Rész</a:t>
+            </a:r>
+          </a:p>
+          <a:p>
+            <a:pPr marL="0" indent="0">
+              <a:buNone/>
+            </a:pPr>
+            <a:r>
+              <a:rPr lang="hu-HU" dirty="0"/>
+              <a:t>	Megkell tiszt</a:t>
+            </a:r>
+            <a:r>
+              <a:rPr lang="hu-HU" sz="2400" dirty="0"/>
+              <a:t>ítani a barlangot </a:t>
+            </a:r>
+            <a:r>
+              <a:rPr lang="hu-HU" dirty="0"/>
+              <a:t>g</a:t>
+            </a:r>
+            <a:r>
+              <a:rPr lang="hu-HU" sz="2400" dirty="0"/>
+              <a:t>yík emberektől.</a:t>
+            </a:r>
+          </a:p>
+          <a:p>
+            <a:pPr marL="0" indent="0">
+              <a:buNone/>
+            </a:pPr>
+            <a:r>
+              <a:rPr lang="hu-HU" dirty="0"/>
+              <a:t>3. Rész</a:t>
+            </a:r>
+          </a:p>
+          <a:p>
+            <a:pPr marL="0" indent="0">
+              <a:buNone/>
+            </a:pPr>
+            <a:r>
+              <a:rPr lang="hu-HU" dirty="0"/>
+              <a:t>	Lekell győzni a </a:t>
+            </a:r>
+            <a:r>
+              <a:rPr lang="hu-HU" dirty="0" err="1"/>
+              <a:t>Boss</a:t>
+            </a:r>
+            <a:r>
+              <a:rPr lang="hu-HU" dirty="0"/>
+              <a:t>-t </a:t>
+            </a:r>
+            <a:r>
+              <a:rPr lang="en-GB" dirty="0"/>
+              <a:t>(</a:t>
+            </a:r>
+            <a:r>
+              <a:rPr lang="en-US" sz="2400" dirty="0" err="1"/>
+              <a:t>Rabló</a:t>
+            </a:r>
+            <a:r>
+              <a:rPr lang="en-US" sz="2400" dirty="0"/>
+              <a:t> </a:t>
+            </a:r>
+            <a:r>
+              <a:rPr lang="en-US" sz="2400" dirty="0" err="1"/>
+              <a:t>gyík</a:t>
+            </a:r>
+            <a:r>
+              <a:rPr lang="en-US" sz="2400" dirty="0"/>
+              <a:t> ember</a:t>
+            </a:r>
+            <a:r>
+              <a:rPr lang="hu-HU" dirty="0"/>
+              <a:t>)</a:t>
+            </a:r>
+            <a:r>
+              <a:rPr lang="en-GB" dirty="0"/>
+              <a:t>, </a:t>
+            </a:r>
+            <a:r>
+              <a:rPr lang="hu-HU" dirty="0"/>
+              <a:t>és kiszabad</a:t>
+            </a:r>
+            <a:r>
+              <a:rPr lang="en-US" sz="2400" dirty="0"/>
+              <a:t>í</a:t>
+            </a:r>
+            <a:r>
+              <a:rPr lang="hu-HU" sz="2400" dirty="0"/>
+              <a:t>tani 	Korom  Kornélt </a:t>
+            </a:r>
+            <a:r>
+              <a:rPr lang="en-GB" sz="2400" dirty="0"/>
+              <a:t>(</a:t>
+            </a:r>
+            <a:r>
+              <a:rPr lang="hu-HU" dirty="0"/>
+              <a:t>apuka</a:t>
+            </a:r>
+            <a:r>
+              <a:rPr lang="hu-HU" sz="2400" dirty="0"/>
+              <a:t>).</a:t>
+            </a:r>
             <a:endParaRPr lang="hu-HU" dirty="0"/>
           </a:p>
         </p:txBody>
@@ -10244,7 +10401,12 @@
             <p:ph idx="1"/>
           </p:nvPr>
         </p:nvSpPr>
-        <p:spPr/>
+        <p:spPr>
+          <a:xfrm>
+            <a:off x="896645" y="3724532"/>
+            <a:ext cx="3284738" cy="703322"/>
+          </a:xfrm>
+        </p:spPr>
         <p:txBody>
           <a:bodyPr/>
           <a:lstStyle/>
@@ -10252,7 +10414,17 @@
             <a:pPr marL="0" indent="0">
               <a:buNone/>
             </a:pPr>
-            <a:endParaRPr lang="hu-HU" dirty="0"/>
+            <a:r>
+              <a:rPr lang="hu-HU" sz="1800" dirty="0"/>
+              <a:t>Barátságos entitások:</a:t>
+            </a:r>
+          </a:p>
+          <a:p>
+            <a:pPr lvl="1"/>
+            <a:r>
+              <a:rPr lang="hu-HU" sz="1400" dirty="0"/>
+              <a:t>Falusiak</a:t>
+            </a:r>
           </a:p>
           <a:p>
             <a:pPr marL="0" indent="0">
@@ -10262,6 +10434,444 @@
           </a:p>
         </p:txBody>
       </p:sp>
+      <p:sp>
+        <p:nvSpPr>
+          <p:cNvPr id="4" name="Szövegdoboz 3">
+            <a:extLst>
+              <a:ext uri="{FF2B5EF4-FFF2-40B4-BE49-F238E27FC236}">
+                <a16:creationId xmlns:a16="http://schemas.microsoft.com/office/drawing/2014/main" id="{8657DC8D-80CE-EB3C-97CC-E9442B7F3D06}"/>
+              </a:ext>
+            </a:extLst>
+          </p:cNvPr>
+          <p:cNvSpPr txBox="1"/>
+          <p:nvPr/>
+        </p:nvSpPr>
+        <p:spPr>
+          <a:xfrm>
+            <a:off x="896645" y="2336873"/>
+            <a:ext cx="8913180" cy="861774"/>
+          </a:xfrm>
+          <a:prstGeom prst="rect">
+            <a:avLst/>
+          </a:prstGeom>
+          <a:noFill/>
+        </p:spPr>
+        <p:txBody>
+          <a:bodyPr wrap="square" rtlCol="0">
+            <a:spAutoFit/>
+          </a:bodyPr>
+          <a:lstStyle/>
+          <a:p>
+            <a:r>
+              <a:rPr lang="hu-HU" dirty="0"/>
+              <a:t>Ellenségek:</a:t>
+            </a:r>
+          </a:p>
+          <a:p>
+            <a:pPr marL="742950" lvl="1" indent="-285750">
+              <a:buFont typeface="Arial" panose="020B0604020202020204" pitchFamily="34" charset="0"/>
+              <a:buChar char="•"/>
+            </a:pPr>
+            <a:r>
+              <a:rPr lang="hu-HU" sz="1400" dirty="0"/>
+              <a:t>Rablók</a:t>
+            </a:r>
+          </a:p>
+          <a:p>
+            <a:pPr marL="742950" lvl="1" indent="-285750">
+              <a:buFont typeface="Arial" panose="020B0604020202020204" pitchFamily="34" charset="0"/>
+              <a:buChar char="•"/>
+            </a:pPr>
+            <a:r>
+              <a:rPr lang="hu-HU" sz="1400" dirty="0"/>
+              <a:t>Gyík emberek</a:t>
+            </a:r>
+            <a:r>
+              <a:rPr lang="hu-HU" dirty="0"/>
+              <a:t>	</a:t>
+            </a:r>
+            <a:endParaRPr lang="en-US" dirty="0"/>
+          </a:p>
+        </p:txBody>
+      </p:sp>
+      <p:sp>
+        <p:nvSpPr>
+          <p:cNvPr id="5" name="Szövegdoboz 4">
+            <a:extLst>
+              <a:ext uri="{FF2B5EF4-FFF2-40B4-BE49-F238E27FC236}">
+                <a16:creationId xmlns:a16="http://schemas.microsoft.com/office/drawing/2014/main" id="{A4A4C0C0-14A2-49DC-1EBE-B0C8D314D913}"/>
+              </a:ext>
+            </a:extLst>
+          </p:cNvPr>
+          <p:cNvSpPr txBox="1"/>
+          <p:nvPr/>
+        </p:nvSpPr>
+        <p:spPr>
+          <a:xfrm>
+            <a:off x="896645" y="4953739"/>
+            <a:ext cx="2920753" cy="584775"/>
+          </a:xfrm>
+          <a:prstGeom prst="rect">
+            <a:avLst/>
+          </a:prstGeom>
+          <a:noFill/>
+        </p:spPr>
+        <p:txBody>
+          <a:bodyPr wrap="square" rtlCol="0">
+            <a:spAutoFit/>
+          </a:bodyPr>
+          <a:lstStyle/>
+          <a:p>
+            <a:r>
+              <a:rPr lang="hu-HU" dirty="0" err="1"/>
+              <a:t>Boss</a:t>
+            </a:r>
+            <a:r>
+              <a:rPr lang="hu-HU" dirty="0"/>
+              <a:t>:</a:t>
+            </a:r>
+          </a:p>
+          <a:p>
+            <a:pPr marL="742950" lvl="1" indent="-285750">
+              <a:buFont typeface="Arial" panose="020B0604020202020204" pitchFamily="34" charset="0"/>
+              <a:buChar char="•"/>
+            </a:pPr>
+            <a:r>
+              <a:rPr lang="en-US" sz="1400" dirty="0" err="1"/>
+              <a:t>Rabló</a:t>
+            </a:r>
+            <a:r>
+              <a:rPr lang="en-US" sz="1400" dirty="0"/>
+              <a:t> </a:t>
+            </a:r>
+            <a:r>
+              <a:rPr lang="en-US" sz="1400" dirty="0" err="1"/>
+              <a:t>gyík</a:t>
+            </a:r>
+            <a:r>
+              <a:rPr lang="en-US" sz="1400" dirty="0"/>
+              <a:t> ember</a:t>
+            </a:r>
+          </a:p>
+        </p:txBody>
+      </p:sp>
+      <p:sp>
+        <p:nvSpPr>
+          <p:cNvPr id="6" name="Szövegdoboz 5">
+            <a:extLst>
+              <a:ext uri="{FF2B5EF4-FFF2-40B4-BE49-F238E27FC236}">
+                <a16:creationId xmlns:a16="http://schemas.microsoft.com/office/drawing/2014/main" id="{437848E8-0BD5-9AEA-A105-FBCA606756E1}"/>
+              </a:ext>
+            </a:extLst>
+          </p:cNvPr>
+          <p:cNvSpPr txBox="1"/>
+          <p:nvPr/>
+        </p:nvSpPr>
+        <p:spPr>
+          <a:xfrm>
+            <a:off x="4456590" y="2767760"/>
+            <a:ext cx="7590408" cy="3785652"/>
+          </a:xfrm>
+          <a:prstGeom prst="rect">
+            <a:avLst/>
+          </a:prstGeom>
+          <a:noFill/>
+        </p:spPr>
+        <p:txBody>
+          <a:bodyPr wrap="square" rtlCol="0">
+            <a:spAutoFit/>
+          </a:bodyPr>
+          <a:lstStyle/>
+          <a:p>
+            <a:r>
+              <a:rPr lang="en-US" sz="2400" dirty="0" err="1"/>
+              <a:t>Tárgyak</a:t>
+            </a:r>
+            <a:r>
+              <a:rPr lang="en-US" sz="2400" dirty="0"/>
+              <a:t>:</a:t>
+            </a:r>
+          </a:p>
+          <a:p>
+            <a:pPr marL="742950" lvl="1" indent="-285750">
+              <a:buFont typeface="Arial" panose="020B0604020202020204" pitchFamily="34" charset="0"/>
+              <a:buChar char="•"/>
+            </a:pPr>
+            <a:r>
+              <a:rPr lang="en-US" sz="2400" dirty="0" err="1"/>
+              <a:t>Pisztoly</a:t>
+            </a:r>
+            <a:r>
+              <a:rPr lang="en-US" sz="2400" dirty="0"/>
+              <a:t>:	12 </a:t>
+            </a:r>
+            <a:r>
+              <a:rPr lang="en-GB" sz="2400" dirty="0" err="1"/>
+              <a:t>sebz</a:t>
+            </a:r>
+            <a:r>
+              <a:rPr lang="hu-HU" sz="2400" dirty="0"/>
+              <a:t>és</a:t>
+            </a:r>
+            <a:endParaRPr lang="en-US" sz="2400" dirty="0"/>
+          </a:p>
+          <a:p>
+            <a:pPr marL="742950" lvl="1" indent="-285750">
+              <a:buFont typeface="Arial" panose="020B0604020202020204" pitchFamily="34" charset="0"/>
+              <a:buChar char="•"/>
+            </a:pPr>
+            <a:r>
+              <a:rPr lang="en-US" sz="2400" dirty="0" err="1"/>
+              <a:t>Zsebkés</a:t>
+            </a:r>
+            <a:r>
+              <a:rPr lang="en-US" sz="2400" dirty="0"/>
+              <a:t>:	 8 </a:t>
+            </a:r>
+            <a:r>
+              <a:rPr lang="en-GB" sz="2400" dirty="0" err="1"/>
+              <a:t>sebz</a:t>
+            </a:r>
+            <a:r>
+              <a:rPr lang="hu-HU" sz="2400" dirty="0"/>
+              <a:t>és</a:t>
+            </a:r>
+            <a:endParaRPr lang="en-US" sz="2400" dirty="0"/>
+          </a:p>
+          <a:p>
+            <a:pPr marL="742950" lvl="1" indent="-285750">
+              <a:buFont typeface="Arial" panose="020B0604020202020204" pitchFamily="34" charset="0"/>
+              <a:buChar char="•"/>
+            </a:pPr>
+            <a:r>
+              <a:rPr lang="en-US" sz="2400" dirty="0"/>
+              <a:t>Shotgun:	44 </a:t>
+            </a:r>
+            <a:r>
+              <a:rPr lang="en-GB" sz="2400" dirty="0" err="1"/>
+              <a:t>sebz</a:t>
+            </a:r>
+            <a:r>
+              <a:rPr lang="hu-HU" sz="2400" dirty="0"/>
+              <a:t>és</a:t>
+            </a:r>
+            <a:endParaRPr lang="en-US" sz="2400" dirty="0"/>
+          </a:p>
+          <a:p>
+            <a:pPr marL="742950" lvl="1" indent="-285750">
+              <a:buFont typeface="Arial" panose="020B0604020202020204" pitchFamily="34" charset="0"/>
+              <a:buChar char="•"/>
+            </a:pPr>
+            <a:r>
+              <a:rPr lang="en-US" sz="2400" dirty="0" err="1"/>
+              <a:t>Géppisztoly</a:t>
+            </a:r>
+            <a:r>
+              <a:rPr lang="en-US" sz="2400" dirty="0"/>
+              <a:t>:	32 </a:t>
+            </a:r>
+            <a:r>
+              <a:rPr lang="en-GB" sz="2400" dirty="0" err="1"/>
+              <a:t>sebz</a:t>
+            </a:r>
+            <a:r>
+              <a:rPr lang="hu-HU" sz="2400" dirty="0"/>
+              <a:t>és</a:t>
+            </a:r>
+            <a:endParaRPr lang="en-US" sz="2400" dirty="0"/>
+          </a:p>
+          <a:p>
+            <a:pPr marL="742950" lvl="1" indent="-285750">
+              <a:buFont typeface="Arial" panose="020B0604020202020204" pitchFamily="34" charset="0"/>
+              <a:buChar char="•"/>
+            </a:pPr>
+            <a:r>
+              <a:rPr lang="en-US" sz="2400" dirty="0" err="1"/>
+              <a:t>Kevlár</a:t>
+            </a:r>
+            <a:r>
+              <a:rPr lang="en-US" sz="2400" dirty="0"/>
+              <a:t>:</a:t>
+            </a:r>
+            <a:r>
+              <a:rPr lang="hu-HU" sz="2400" dirty="0"/>
+              <a:t>	+</a:t>
+            </a:r>
+            <a:r>
+              <a:rPr lang="en-GB" sz="2400" dirty="0"/>
+              <a:t>10% </a:t>
+            </a:r>
+            <a:r>
+              <a:rPr lang="en-GB" sz="2400" dirty="0" err="1"/>
+              <a:t>rezisztencia</a:t>
+            </a:r>
+            <a:r>
+              <a:rPr lang="en-GB" sz="2400" dirty="0"/>
+              <a:t>	</a:t>
+            </a:r>
+            <a:endParaRPr lang="en-US" sz="2400" dirty="0"/>
+          </a:p>
+          <a:p>
+            <a:pPr marL="742950" lvl="1" indent="-285750">
+              <a:buFont typeface="Arial" panose="020B0604020202020204" pitchFamily="34" charset="0"/>
+              <a:buChar char="•"/>
+            </a:pPr>
+            <a:r>
+              <a:rPr lang="en-US" sz="2400" dirty="0"/>
+              <a:t>Helmet:	</a:t>
+            </a:r>
+            <a:r>
+              <a:rPr lang="hu-HU" sz="2400" dirty="0"/>
+              <a:t> +</a:t>
+            </a:r>
+            <a:r>
+              <a:rPr lang="en-GB" sz="2400" dirty="0"/>
+              <a:t>5% </a:t>
+            </a:r>
+            <a:r>
+              <a:rPr lang="en-GB" sz="2400" dirty="0" err="1"/>
+              <a:t>rezisztencia</a:t>
+            </a:r>
+            <a:endParaRPr lang="en-GB" sz="2400" dirty="0"/>
+          </a:p>
+          <a:p>
+            <a:pPr marL="742950" lvl="1" indent="-285750">
+              <a:buFont typeface="Arial" panose="020B0604020202020204" pitchFamily="34" charset="0"/>
+              <a:buChar char="•"/>
+            </a:pPr>
+            <a:r>
+              <a:rPr lang="en-US" sz="2400" dirty="0" err="1"/>
+              <a:t>Kevlár</a:t>
+            </a:r>
+            <a:r>
+              <a:rPr lang="en-US" sz="2400" dirty="0"/>
+              <a:t> + Helmet +15% </a:t>
+            </a:r>
+            <a:r>
+              <a:rPr lang="en-GB" sz="2400" dirty="0" err="1"/>
+              <a:t>rezisztencia</a:t>
+            </a:r>
+            <a:r>
+              <a:rPr lang="en-GB" sz="2400" dirty="0"/>
+              <a:t> </a:t>
+            </a:r>
+            <a:r>
+              <a:rPr lang="hu-HU" sz="2400" dirty="0"/>
+              <a:t>é</a:t>
+            </a:r>
+            <a:r>
+              <a:rPr lang="en-GB" sz="2400" dirty="0"/>
+              <a:t>s +1 hp</a:t>
+            </a:r>
+            <a:endParaRPr lang="en-US" sz="2400" dirty="0"/>
+          </a:p>
+          <a:p>
+            <a:pPr marL="742950" lvl="1" indent="-285750">
+              <a:buFont typeface="Arial" panose="020B0604020202020204" pitchFamily="34" charset="0"/>
+              <a:buChar char="•"/>
+            </a:pPr>
+            <a:r>
+              <a:rPr lang="en-US" sz="2400" dirty="0" err="1"/>
+              <a:t>Szteroid</a:t>
+            </a:r>
+            <a:r>
+              <a:rPr lang="en-GB" sz="2400" dirty="0"/>
+              <a:t>:</a:t>
+            </a:r>
+            <a:r>
+              <a:rPr lang="en-US" sz="2400" dirty="0"/>
+              <a:t> 2 </a:t>
+            </a:r>
+            <a:r>
+              <a:rPr lang="en-US" sz="2400" dirty="0" err="1"/>
+              <a:t>ellszenvedett</a:t>
+            </a:r>
+            <a:r>
+              <a:rPr lang="en-US" sz="2400" dirty="0"/>
+              <a:t> </a:t>
+            </a:r>
+            <a:r>
+              <a:rPr lang="en-US" sz="2400" dirty="0" err="1"/>
+              <a:t>sebz</a:t>
+            </a:r>
+            <a:r>
+              <a:rPr lang="hu-HU" sz="2400" dirty="0" err="1"/>
+              <a:t>ésig</a:t>
+            </a:r>
+            <a:r>
+              <a:rPr lang="hu-HU" sz="2400" dirty="0"/>
+              <a:t> +1</a:t>
+            </a:r>
+            <a:r>
+              <a:rPr lang="en-GB" sz="2400" dirty="0"/>
+              <a:t>0% </a:t>
+            </a:r>
+            <a:r>
+              <a:rPr lang="en-GB" sz="2400" dirty="0" err="1"/>
+              <a:t>sebz</a:t>
+            </a:r>
+            <a:r>
+              <a:rPr lang="hu-HU" sz="2400" dirty="0"/>
+              <a:t>és</a:t>
+            </a:r>
+            <a:r>
+              <a:rPr lang="en-US" sz="2400" dirty="0"/>
+              <a:t>		</a:t>
+            </a:r>
+          </a:p>
+        </p:txBody>
+      </p:sp>
+      <mc:AlternateContent xmlns:mc="http://schemas.openxmlformats.org/markup-compatibility/2006">
+        <mc:Choice xmlns:p14="http://schemas.microsoft.com/office/powerpoint/2010/main" Requires="p14">
+          <p:contentPart p14:bwMode="auto" r:id="rId2">
+            <p14:nvContentPartPr>
+              <p14:cNvPr id="7" name="Szabadkéz 6">
+                <a:extLst>
+                  <a:ext uri="{FF2B5EF4-FFF2-40B4-BE49-F238E27FC236}">
+                    <a16:creationId xmlns:a16="http://schemas.microsoft.com/office/drawing/2014/main" id="{E3654B72-4E78-052A-A59A-C8CCA248ADBC}"/>
+                  </a:ext>
+                </a:extLst>
+              </p14:cNvPr>
+              <p14:cNvContentPartPr/>
+              <p14:nvPr/>
+            </p14:nvContentPartPr>
+            <p14:xfrm>
+              <a:off x="7776224" y="2627560"/>
+              <a:ext cx="360" cy="360"/>
+            </p14:xfrm>
+          </p:contentPart>
+        </mc:Choice>
+        <mc:Fallback>
+          <p:pic>
+            <p:nvPicPr>
+              <p:cNvPr id="7" name="Szabadkéz 6">
+                <a:extLst>
+                  <a:ext uri="{FF2B5EF4-FFF2-40B4-BE49-F238E27FC236}">
+                    <a16:creationId xmlns:a16="http://schemas.microsoft.com/office/drawing/2014/main" id="{E3654B72-4E78-052A-A59A-C8CCA248ADBC}"/>
+                  </a:ext>
+                </a:extLst>
+              </p:cNvPr>
+              <p:cNvPicPr/>
+              <p:nvPr/>
+            </p:nvPicPr>
+            <p:blipFill>
+              <a:blip r:embed="rId3"/>
+              <a:stretch>
+                <a:fillRect/>
+              </a:stretch>
+            </p:blipFill>
+            <p:spPr>
+              <a:xfrm>
+                <a:off x="7722584" y="2519560"/>
+                <a:ext cx="108000" cy="216000"/>
+              </a:xfrm>
+              <a:prstGeom prst="rect">
+                <a:avLst/>
+              </a:prstGeom>
+            </p:spPr>
+          </p:pic>
+        </mc:Fallback>
+      </mc:AlternateContent>
     </p:spTree>
     <p:extLst>
       <p:ext uri="{BB962C8B-B14F-4D97-AF65-F5344CB8AC3E}">
